--- a/SAD_10_PPT.pptx
+++ b/SAD_10_PPT.pptx
@@ -297,7 +297,7 @@
           <a:p>
             <a:fld id="{671F5F69-82FE-4F0F-B318-A5ACACDF19A1}" type="datetimeFigureOut">
               <a:rPr lang="ko-KR" altLang="en-US" smtClean="0"/>
-              <a:t>2021-05-10</a:t>
+              <a:t>2021-05-13</a:t>
             </a:fld>
             <a:endParaRPr lang="ko-KR" altLang="en-US"/>
           </a:p>
@@ -495,7 +495,7 @@
           <a:p>
             <a:fld id="{671F5F69-82FE-4F0F-B318-A5ACACDF19A1}" type="datetimeFigureOut">
               <a:rPr lang="ko-KR" altLang="en-US" smtClean="0"/>
-              <a:t>2021-05-10</a:t>
+              <a:t>2021-05-13</a:t>
             </a:fld>
             <a:endParaRPr lang="ko-KR" altLang="en-US"/>
           </a:p>
@@ -703,7 +703,7 @@
           <a:p>
             <a:fld id="{671F5F69-82FE-4F0F-B318-A5ACACDF19A1}" type="datetimeFigureOut">
               <a:rPr lang="ko-KR" altLang="en-US" smtClean="0"/>
-              <a:t>2021-05-10</a:t>
+              <a:t>2021-05-13</a:t>
             </a:fld>
             <a:endParaRPr lang="ko-KR" altLang="en-US"/>
           </a:p>
@@ -901,7 +901,7 @@
           <a:p>
             <a:fld id="{671F5F69-82FE-4F0F-B318-A5ACACDF19A1}" type="datetimeFigureOut">
               <a:rPr lang="ko-KR" altLang="en-US" smtClean="0"/>
-              <a:t>2021-05-10</a:t>
+              <a:t>2021-05-13</a:t>
             </a:fld>
             <a:endParaRPr lang="ko-KR" altLang="en-US"/>
           </a:p>
@@ -1176,7 +1176,7 @@
           <a:p>
             <a:fld id="{671F5F69-82FE-4F0F-B318-A5ACACDF19A1}" type="datetimeFigureOut">
               <a:rPr lang="ko-KR" altLang="en-US" smtClean="0"/>
-              <a:t>2021-05-10</a:t>
+              <a:t>2021-05-13</a:t>
             </a:fld>
             <a:endParaRPr lang="ko-KR" altLang="en-US"/>
           </a:p>
@@ -1441,7 +1441,7 @@
           <a:p>
             <a:fld id="{671F5F69-82FE-4F0F-B318-A5ACACDF19A1}" type="datetimeFigureOut">
               <a:rPr lang="ko-KR" altLang="en-US" smtClean="0"/>
-              <a:t>2021-05-10</a:t>
+              <a:t>2021-05-13</a:t>
             </a:fld>
             <a:endParaRPr lang="ko-KR" altLang="en-US"/>
           </a:p>
@@ -1853,7 +1853,7 @@
           <a:p>
             <a:fld id="{671F5F69-82FE-4F0F-B318-A5ACACDF19A1}" type="datetimeFigureOut">
               <a:rPr lang="ko-KR" altLang="en-US" smtClean="0"/>
-              <a:t>2021-05-10</a:t>
+              <a:t>2021-05-13</a:t>
             </a:fld>
             <a:endParaRPr lang="ko-KR" altLang="en-US"/>
           </a:p>
@@ -1994,7 +1994,7 @@
           <a:p>
             <a:fld id="{671F5F69-82FE-4F0F-B318-A5ACACDF19A1}" type="datetimeFigureOut">
               <a:rPr lang="ko-KR" altLang="en-US" smtClean="0"/>
-              <a:t>2021-05-10</a:t>
+              <a:t>2021-05-13</a:t>
             </a:fld>
             <a:endParaRPr lang="ko-KR" altLang="en-US"/>
           </a:p>
@@ -2107,7 +2107,7 @@
           <a:p>
             <a:fld id="{671F5F69-82FE-4F0F-B318-A5ACACDF19A1}" type="datetimeFigureOut">
               <a:rPr lang="ko-KR" altLang="en-US" smtClean="0"/>
-              <a:t>2021-05-10</a:t>
+              <a:t>2021-05-13</a:t>
             </a:fld>
             <a:endParaRPr lang="ko-KR" altLang="en-US"/>
           </a:p>
@@ -2418,7 +2418,7 @@
           <a:p>
             <a:fld id="{671F5F69-82FE-4F0F-B318-A5ACACDF19A1}" type="datetimeFigureOut">
               <a:rPr lang="ko-KR" altLang="en-US" smtClean="0"/>
-              <a:t>2021-05-10</a:t>
+              <a:t>2021-05-13</a:t>
             </a:fld>
             <a:endParaRPr lang="ko-KR" altLang="en-US"/>
           </a:p>
@@ -2706,7 +2706,7 @@
           <a:p>
             <a:fld id="{671F5F69-82FE-4F0F-B318-A5ACACDF19A1}" type="datetimeFigureOut">
               <a:rPr lang="ko-KR" altLang="en-US" smtClean="0"/>
-              <a:t>2021-05-10</a:t>
+              <a:t>2021-05-13</a:t>
             </a:fld>
             <a:endParaRPr lang="ko-KR" altLang="en-US"/>
           </a:p>
@@ -2947,7 +2947,7 @@
           <a:p>
             <a:fld id="{671F5F69-82FE-4F0F-B318-A5ACACDF19A1}" type="datetimeFigureOut">
               <a:rPr lang="ko-KR" altLang="en-US" smtClean="0"/>
-              <a:t>2021-05-10</a:t>
+              <a:t>2021-05-13</a:t>
             </a:fld>
             <a:endParaRPr lang="ko-KR" altLang="en-US"/>
           </a:p>
@@ -12434,8 +12434,8 @@
               <a:t>, </a:t>
             </a:r>
             <a:r>
-              <a:rPr lang="ko-KR" altLang="en-US" dirty="0"/>
-              <a:t>간선</a:t>
+              <a:rPr lang="ko-KR" altLang="en-US"/>
+              <a:t>간선  </a:t>
             </a:r>
             <a:endParaRPr lang="en-US" altLang="ko-KR" dirty="0"/>
           </a:p>

--- a/SAD_10_PPT.pptx
+++ b/SAD_10_PPT.pptx
@@ -297,7 +297,7 @@
           <a:p>
             <a:fld id="{671F5F69-82FE-4F0F-B318-A5ACACDF19A1}" type="datetimeFigureOut">
               <a:rPr lang="ko-KR" altLang="en-US" smtClean="0"/>
-              <a:t>2021-05-13</a:t>
+              <a:t>2021-05-15</a:t>
             </a:fld>
             <a:endParaRPr lang="ko-KR" altLang="en-US"/>
           </a:p>
@@ -495,7 +495,7 @@
           <a:p>
             <a:fld id="{671F5F69-82FE-4F0F-B318-A5ACACDF19A1}" type="datetimeFigureOut">
               <a:rPr lang="ko-KR" altLang="en-US" smtClean="0"/>
-              <a:t>2021-05-13</a:t>
+              <a:t>2021-05-15</a:t>
             </a:fld>
             <a:endParaRPr lang="ko-KR" altLang="en-US"/>
           </a:p>
@@ -703,7 +703,7 @@
           <a:p>
             <a:fld id="{671F5F69-82FE-4F0F-B318-A5ACACDF19A1}" type="datetimeFigureOut">
               <a:rPr lang="ko-KR" altLang="en-US" smtClean="0"/>
-              <a:t>2021-05-13</a:t>
+              <a:t>2021-05-15</a:t>
             </a:fld>
             <a:endParaRPr lang="ko-KR" altLang="en-US"/>
           </a:p>
@@ -901,7 +901,7 @@
           <a:p>
             <a:fld id="{671F5F69-82FE-4F0F-B318-A5ACACDF19A1}" type="datetimeFigureOut">
               <a:rPr lang="ko-KR" altLang="en-US" smtClean="0"/>
-              <a:t>2021-05-13</a:t>
+              <a:t>2021-05-15</a:t>
             </a:fld>
             <a:endParaRPr lang="ko-KR" altLang="en-US"/>
           </a:p>
@@ -1176,7 +1176,7 @@
           <a:p>
             <a:fld id="{671F5F69-82FE-4F0F-B318-A5ACACDF19A1}" type="datetimeFigureOut">
               <a:rPr lang="ko-KR" altLang="en-US" smtClean="0"/>
-              <a:t>2021-05-13</a:t>
+              <a:t>2021-05-15</a:t>
             </a:fld>
             <a:endParaRPr lang="ko-KR" altLang="en-US"/>
           </a:p>
@@ -1441,7 +1441,7 @@
           <a:p>
             <a:fld id="{671F5F69-82FE-4F0F-B318-A5ACACDF19A1}" type="datetimeFigureOut">
               <a:rPr lang="ko-KR" altLang="en-US" smtClean="0"/>
-              <a:t>2021-05-13</a:t>
+              <a:t>2021-05-15</a:t>
             </a:fld>
             <a:endParaRPr lang="ko-KR" altLang="en-US"/>
           </a:p>
@@ -1853,7 +1853,7 @@
           <a:p>
             <a:fld id="{671F5F69-82FE-4F0F-B318-A5ACACDF19A1}" type="datetimeFigureOut">
               <a:rPr lang="ko-KR" altLang="en-US" smtClean="0"/>
-              <a:t>2021-05-13</a:t>
+              <a:t>2021-05-15</a:t>
             </a:fld>
             <a:endParaRPr lang="ko-KR" altLang="en-US"/>
           </a:p>
@@ -1994,7 +1994,7 @@
           <a:p>
             <a:fld id="{671F5F69-82FE-4F0F-B318-A5ACACDF19A1}" type="datetimeFigureOut">
               <a:rPr lang="ko-KR" altLang="en-US" smtClean="0"/>
-              <a:t>2021-05-13</a:t>
+              <a:t>2021-05-15</a:t>
             </a:fld>
             <a:endParaRPr lang="ko-KR" altLang="en-US"/>
           </a:p>
@@ -2107,7 +2107,7 @@
           <a:p>
             <a:fld id="{671F5F69-82FE-4F0F-B318-A5ACACDF19A1}" type="datetimeFigureOut">
               <a:rPr lang="ko-KR" altLang="en-US" smtClean="0"/>
-              <a:t>2021-05-13</a:t>
+              <a:t>2021-05-15</a:t>
             </a:fld>
             <a:endParaRPr lang="ko-KR" altLang="en-US"/>
           </a:p>
@@ -2418,7 +2418,7 @@
           <a:p>
             <a:fld id="{671F5F69-82FE-4F0F-B318-A5ACACDF19A1}" type="datetimeFigureOut">
               <a:rPr lang="ko-KR" altLang="en-US" smtClean="0"/>
-              <a:t>2021-05-13</a:t>
+              <a:t>2021-05-15</a:t>
             </a:fld>
             <a:endParaRPr lang="ko-KR" altLang="en-US"/>
           </a:p>
@@ -2706,7 +2706,7 @@
           <a:p>
             <a:fld id="{671F5F69-82FE-4F0F-B318-A5ACACDF19A1}" type="datetimeFigureOut">
               <a:rPr lang="ko-KR" altLang="en-US" smtClean="0"/>
-              <a:t>2021-05-13</a:t>
+              <a:t>2021-05-15</a:t>
             </a:fld>
             <a:endParaRPr lang="ko-KR" altLang="en-US"/>
           </a:p>
@@ -2947,7 +2947,7 @@
           <a:p>
             <a:fld id="{671F5F69-82FE-4F0F-B318-A5ACACDF19A1}" type="datetimeFigureOut">
               <a:rPr lang="ko-KR" altLang="en-US" smtClean="0"/>
-              <a:t>2021-05-13</a:t>
+              <a:t>2021-05-15</a:t>
             </a:fld>
             <a:endParaRPr lang="ko-KR" altLang="en-US"/>
           </a:p>
@@ -8865,10 +8865,10 @@
               </a:lnSpc>
             </a:pPr>
             <a:r>
-              <a:rPr lang="ko-KR" altLang="en-US"/>
+              <a:rPr lang="ko-KR" altLang="en-US" dirty="0"/>
               <a:t>기본적인 오퍼레이션</a:t>
             </a:r>
-            <a:endParaRPr lang="en-US" altLang="ko-KR"/>
+            <a:endParaRPr lang="en-US" altLang="ko-KR" dirty="0"/>
           </a:p>
           <a:p>
             <a:pPr lvl="1" eaLnBrk="1" hangingPunct="1">
@@ -8877,12 +8877,16 @@
               </a:lnSpc>
             </a:pPr>
             <a:r>
-              <a:rPr lang="ko-KR" altLang="en-US"/>
-              <a:t>정보은닉 때문에 감추어진 것을 접근할 수 있도록 도와줌</a:t>
+              <a:rPr lang="ko-KR" altLang="en-US" dirty="0"/>
+              <a:t>정보은닉 때문에 감추어진 것을 접근할 수 있도록 </a:t>
+            </a:r>
+            <a:r>
+              <a:rPr lang="ko-KR" altLang="en-US" dirty="0" err="1"/>
+              <a:t>도와줌</a:t>
             </a:r>
             <a:r>
               <a:rPr lang="en-US" altLang="ko-KR"/>
-              <a:t>.</a:t>
+              <a:t>.  </a:t>
             </a:r>
             <a:endParaRPr lang="en-US" altLang="ko-KR" dirty="0"/>
           </a:p>
